--- a/Презентация по производственной практике.pptx
+++ b/Презентация по производственной практике.pptx
@@ -4297,13 +4297,13 @@
   <p:clrMapOvr>
     <a:masterClrMapping/>
   </p:clrMapOvr>
-  <mc:AlternateContent xmlns:mc="http://schemas.openxmlformats.org/markup-compatibility/2006" xmlns:p14="http://schemas.microsoft.com/office/powerpoint/2010/main">
-    <mc:Choice Requires="p14">
+  <mc:AlternateContent xmlns:mc="http://schemas.openxmlformats.org/markup-compatibility/2006">
+    <mc:Choice xmlns:p14="http://schemas.microsoft.com/office/powerpoint/2010/main" Requires="p14">
       <p:transition spd="med" p14:dur="700">
         <p:fade/>
       </p:transition>
     </mc:Choice>
-    <mc:Fallback xmlns="">
+    <mc:Fallback>
       <p:transition spd="med">
         <p:fade/>
       </p:transition>
@@ -5604,6 +5604,16 @@
           <a:prstGeom prst="rect">
             <a:avLst/>
           </a:prstGeom>
+          <a:ln>
+            <a:noFill/>
+          </a:ln>
+          <a:effectLst>
+            <a:outerShdw blurRad="190500" algn="tl" rotWithShape="0">
+              <a:srgbClr val="000000">
+                <a:alpha val="70000"/>
+              </a:srgbClr>
+            </a:outerShdw>
+          </a:effectLst>
         </p:spPr>
       </p:pic>
       <p:sp>
@@ -5821,7 +5831,15 @@
                 <a:latin typeface="Arial" pitchFamily="34" charset="0"/>
                 <a:cs typeface="Arial" pitchFamily="34" charset="0"/>
               </a:rPr>
-              <a:t>: https://github.com/IvanShvidko/Zadaniya/tree/PracticaPP11</a:t>
+              <a:t>: </a:t>
+            </a:r>
+            <a:r>
+              <a:rPr lang="en-US" dirty="0">
+                <a:latin typeface="Arial" pitchFamily="34" charset="0"/>
+                <a:cs typeface="Arial" pitchFamily="34" charset="0"/>
+                <a:hlinkClick r:id="rId2"/>
+              </a:rPr>
+              <a:t>https://github.com/IvanShvidko/Praktika01</a:t>
             </a:r>
             <a:endParaRPr lang="ru-RU" dirty="0">
               <a:latin typeface="Arial" pitchFamily="34" charset="0"/>
@@ -6275,18 +6293,9 @@
   <p:clrMapOvr>
     <a:masterClrMapping/>
   </p:clrMapOvr>
-  <mc:AlternateContent xmlns:mc="http://schemas.openxmlformats.org/markup-compatibility/2006" xmlns:p14="http://schemas.microsoft.com/office/powerpoint/2010/main">
-    <mc:Choice Requires="p14">
-      <p:transition spd="med" p14:dur="700">
-        <p:fade/>
-      </p:transition>
-    </mc:Choice>
-    <mc:Fallback xmlns="">
-      <p:transition spd="med">
-        <p:fade/>
-      </p:transition>
-    </mc:Fallback>
-  </mc:AlternateContent>
+  <p:transition spd="slow">
+    <p:push dir="u"/>
+  </p:transition>
 </p:sld>
 </file>
 
